--- a/resources/intro/day1.pptx
+++ b/resources/intro/day1.pptx
@@ -5,20 +5,24 @@
     <p:sldMasterId id="2147483648" r:id="rId1"/>
   </p:sldMasterIdLst>
   <p:notesMasterIdLst>
-    <p:notesMasterId r:id="rId10"/>
+    <p:notesMasterId r:id="rId14"/>
   </p:notesMasterIdLst>
   <p:handoutMasterIdLst>
-    <p:handoutMasterId r:id="rId11"/>
+    <p:handoutMasterId r:id="rId15"/>
   </p:handoutMasterIdLst>
   <p:sldIdLst>
     <p:sldId id="256" r:id="rId2"/>
     <p:sldId id="257" r:id="rId3"/>
     <p:sldId id="258" r:id="rId4"/>
     <p:sldId id="259" r:id="rId5"/>
-    <p:sldId id="260" r:id="rId6"/>
-    <p:sldId id="261" r:id="rId7"/>
-    <p:sldId id="263" r:id="rId8"/>
-    <p:sldId id="262" r:id="rId9"/>
+    <p:sldId id="264" r:id="rId6"/>
+    <p:sldId id="260" r:id="rId7"/>
+    <p:sldId id="261" r:id="rId8"/>
+    <p:sldId id="263" r:id="rId9"/>
+    <p:sldId id="262" r:id="rId10"/>
+    <p:sldId id="265" r:id="rId11"/>
+    <p:sldId id="266" r:id="rId12"/>
+    <p:sldId id="267" r:id="rId13"/>
   </p:sldIdLst>
   <p:sldSz cx="9144000" cy="6858000" type="screen4x3"/>
   <p:notesSz cx="6858000" cy="9144000"/>
@@ -4031,6 +4035,595 @@
 </p:sld>
 </file>
 
+<file path=ppt/slides/slide10.xml><?xml version="1.0" encoding="utf-8"?>
+<p:sld xmlns:a="http://schemas.openxmlformats.org/drawingml/2006/main" xmlns:r="http://schemas.openxmlformats.org/officeDocument/2006/relationships" xmlns:p="http://schemas.openxmlformats.org/presentationml/2006/main">
+  <p:cSld>
+    <p:spTree>
+      <p:nvGrpSpPr>
+        <p:cNvPr id="1" name=""/>
+        <p:cNvGrpSpPr/>
+        <p:nvPr/>
+      </p:nvGrpSpPr>
+      <p:grpSpPr>
+        <a:xfrm>
+          <a:off x="0" y="0"/>
+          <a:ext cx="0" cy="0"/>
+          <a:chOff x="0" y="0"/>
+          <a:chExt cx="0" cy="0"/>
+        </a:xfrm>
+      </p:grpSpPr>
+      <p:sp>
+        <p:nvSpPr>
+          <p:cNvPr id="2" name="Title 1"/>
+          <p:cNvSpPr>
+            <a:spLocks noGrp="1"/>
+          </p:cNvSpPr>
+          <p:nvPr>
+            <p:ph type="title"/>
+          </p:nvPr>
+        </p:nvSpPr>
+        <p:spPr/>
+        <p:txBody>
+          <a:bodyPr/>
+          <a:lstStyle/>
+          <a:p>
+            <a:r>
+              <a:rPr lang="en-US" dirty="0" smtClean="0"/>
+              <a:t>What is a Turing Machine?</a:t>
+            </a:r>
+            <a:endParaRPr lang="en-US" dirty="0"/>
+          </a:p>
+        </p:txBody>
+      </p:sp>
+      <p:sp>
+        <p:nvSpPr>
+          <p:cNvPr id="3" name="Content Placeholder 2"/>
+          <p:cNvSpPr>
+            <a:spLocks noGrp="1"/>
+          </p:cNvSpPr>
+          <p:nvPr>
+            <p:ph idx="1"/>
+          </p:nvPr>
+        </p:nvSpPr>
+        <p:spPr>
+          <a:xfrm>
+            <a:off x="475488" y="1828800"/>
+            <a:ext cx="3639312" cy="4828032"/>
+          </a:xfrm>
+        </p:spPr>
+        <p:txBody>
+          <a:bodyPr/>
+          <a:lstStyle/>
+          <a:p>
+            <a:r>
+              <a:rPr lang="en-US" dirty="0" smtClean="0"/>
+              <a:t>A mental exercise </a:t>
+            </a:r>
+          </a:p>
+          <a:p>
+            <a:r>
+              <a:rPr lang="en-US" dirty="0" smtClean="0"/>
+              <a:t>Consists of three parts:</a:t>
+            </a:r>
+          </a:p>
+          <a:p>
+            <a:pPr lvl="1"/>
+            <a:r>
+              <a:rPr lang="en-US" dirty="0" smtClean="0"/>
+              <a:t>Tape</a:t>
+            </a:r>
+          </a:p>
+          <a:p>
+            <a:pPr lvl="1"/>
+            <a:r>
+              <a:rPr lang="en-US" dirty="0" smtClean="0"/>
+              <a:t>Head</a:t>
+            </a:r>
+          </a:p>
+          <a:p>
+            <a:pPr lvl="1"/>
+            <a:r>
+              <a:rPr lang="en-US" dirty="0" smtClean="0"/>
+              <a:t>“Machine State”</a:t>
+            </a:r>
+          </a:p>
+          <a:p>
+            <a:r>
+              <a:rPr lang="en-US" dirty="0" smtClean="0"/>
+              <a:t>Three operations:</a:t>
+            </a:r>
+          </a:p>
+          <a:p>
+            <a:pPr lvl="1"/>
+            <a:r>
+              <a:rPr lang="en-US" dirty="0" smtClean="0"/>
+              <a:t>Change symbol on tape</a:t>
+            </a:r>
+          </a:p>
+          <a:p>
+            <a:pPr lvl="1"/>
+            <a:r>
+              <a:rPr lang="en-US" dirty="0" smtClean="0"/>
+              <a:t>Move Tape</a:t>
+            </a:r>
+          </a:p>
+          <a:p>
+            <a:pPr lvl="1"/>
+            <a:r>
+              <a:rPr lang="en-US" dirty="0" smtClean="0"/>
+              <a:t>Change “state”</a:t>
+            </a:r>
+          </a:p>
+        </p:txBody>
+      </p:sp>
+      <p:pic>
+        <p:nvPicPr>
+          <p:cNvPr id="4" name="Picture 3"/>
+          <p:cNvPicPr>
+            <a:picLocks noChangeAspect="1"/>
+          </p:cNvPicPr>
+          <p:nvPr/>
+        </p:nvPicPr>
+        <p:blipFill>
+          <a:blip r:embed="rId2"/>
+          <a:stretch>
+            <a:fillRect/>
+          </a:stretch>
+        </p:blipFill>
+        <p:spPr>
+          <a:xfrm>
+            <a:off x="3886200" y="1752600"/>
+            <a:ext cx="5107038" cy="3505200"/>
+          </a:xfrm>
+          <a:prstGeom prst="rect">
+            <a:avLst/>
+          </a:prstGeom>
+        </p:spPr>
+      </p:pic>
+    </p:spTree>
+    <p:extLst>
+      <p:ext uri="{BB962C8B-B14F-4D97-AF65-F5344CB8AC3E}">
+        <p14:creationId xmlns:p14="http://schemas.microsoft.com/office/powerpoint/2010/main" val="3750468673"/>
+      </p:ext>
+    </p:extLst>
+  </p:cSld>
+  <p:clrMapOvr>
+    <a:masterClrMapping/>
+  </p:clrMapOvr>
+</p:sld>
+</file>
+
+<file path=ppt/slides/slide11.xml><?xml version="1.0" encoding="utf-8"?>
+<p:sld xmlns:a="http://schemas.openxmlformats.org/drawingml/2006/main" xmlns:r="http://schemas.openxmlformats.org/officeDocument/2006/relationships" xmlns:p="http://schemas.openxmlformats.org/presentationml/2006/main">
+  <p:cSld>
+    <p:spTree>
+      <p:nvGrpSpPr>
+        <p:cNvPr id="1" name=""/>
+        <p:cNvGrpSpPr/>
+        <p:nvPr/>
+      </p:nvGrpSpPr>
+      <p:grpSpPr>
+        <a:xfrm>
+          <a:off x="0" y="0"/>
+          <a:ext cx="0" cy="0"/>
+          <a:chOff x="0" y="0"/>
+          <a:chExt cx="0" cy="0"/>
+        </a:xfrm>
+      </p:grpSpPr>
+      <p:sp>
+        <p:nvSpPr>
+          <p:cNvPr id="2" name="Title 1"/>
+          <p:cNvSpPr>
+            <a:spLocks noGrp="1"/>
+          </p:cNvSpPr>
+          <p:nvPr>
+            <p:ph type="title"/>
+          </p:nvPr>
+        </p:nvSpPr>
+        <p:spPr/>
+        <p:txBody>
+          <a:bodyPr/>
+          <a:lstStyle/>
+          <a:p>
+            <a:r>
+              <a:rPr lang="en-US" dirty="0" smtClean="0"/>
+              <a:t>So, why do we care?</a:t>
+            </a:r>
+            <a:endParaRPr lang="en-US" dirty="0"/>
+          </a:p>
+        </p:txBody>
+      </p:sp>
+      <p:sp>
+        <p:nvSpPr>
+          <p:cNvPr id="3" name="Content Placeholder 2"/>
+          <p:cNvSpPr>
+            <a:spLocks noGrp="1"/>
+          </p:cNvSpPr>
+          <p:nvPr>
+            <p:ph idx="1"/>
+          </p:nvPr>
+        </p:nvSpPr>
+        <p:spPr>
+          <a:xfrm>
+            <a:off x="475488" y="1289304"/>
+            <a:ext cx="8193024" cy="2368296"/>
+          </a:xfrm>
+        </p:spPr>
+        <p:txBody>
+          <a:bodyPr/>
+          <a:lstStyle/>
+          <a:p>
+            <a:r>
+              <a:rPr lang="en-US" i="1" dirty="0" smtClean="0"/>
+              <a:t>Anything computable can be run on a Turing Machine</a:t>
+            </a:r>
+          </a:p>
+          <a:p>
+            <a:pPr lvl="1"/>
+            <a:r>
+              <a:rPr lang="en-US" dirty="0" smtClean="0"/>
+              <a:t>Weird, right?</a:t>
+            </a:r>
+          </a:p>
+          <a:p>
+            <a:pPr lvl="1"/>
+            <a:r>
+              <a:rPr lang="en-US" dirty="0" smtClean="0"/>
+              <a:t>Weirder: In theory, the Turing machine is more powerful than your computer!</a:t>
+            </a:r>
+          </a:p>
+          <a:p>
+            <a:pPr lvl="1"/>
+            <a:r>
+              <a:rPr lang="en-US" dirty="0" smtClean="0"/>
+              <a:t>Studying a Turing machine can show us the limits of computing</a:t>
+            </a:r>
+          </a:p>
+          <a:p>
+            <a:r>
+              <a:rPr lang="en-US" dirty="0" smtClean="0"/>
+              <a:t>Provides a useful model for a Central Processing Unit (CPU) in an electronic computer</a:t>
+            </a:r>
+            <a:endParaRPr lang="en-US" dirty="0"/>
+          </a:p>
+        </p:txBody>
+      </p:sp>
+      <p:pic>
+        <p:nvPicPr>
+          <p:cNvPr id="5" name="Picture 4"/>
+          <p:cNvPicPr>
+            <a:picLocks noChangeAspect="1"/>
+          </p:cNvPicPr>
+          <p:nvPr/>
+        </p:nvPicPr>
+        <p:blipFill>
+          <a:blip r:embed="rId2"/>
+          <a:stretch>
+            <a:fillRect/>
+          </a:stretch>
+        </p:blipFill>
+        <p:spPr>
+          <a:xfrm>
+            <a:off x="5410200" y="3733800"/>
+            <a:ext cx="2400300" cy="1524000"/>
+          </a:xfrm>
+          <a:prstGeom prst="rect">
+            <a:avLst/>
+          </a:prstGeom>
+        </p:spPr>
+      </p:pic>
+      <p:sp>
+        <p:nvSpPr>
+          <p:cNvPr id="6" name="Content Placeholder 2"/>
+          <p:cNvSpPr txBox="1">
+            <a:spLocks/>
+          </p:cNvSpPr>
+          <p:nvPr/>
+        </p:nvSpPr>
+        <p:spPr>
+          <a:xfrm>
+            <a:off x="533400" y="3575304"/>
+            <a:ext cx="3962400" cy="2368296"/>
+          </a:xfrm>
+          <a:prstGeom prst="rect">
+            <a:avLst/>
+          </a:prstGeom>
+        </p:spPr>
+        <p:txBody>
+          <a:bodyPr/>
+          <a:lstStyle>
+            <a:lvl1pPr marL="237744" indent="-237744" algn="l" rtl="0" eaLnBrk="1" fontAlgn="base" hangingPunct="1">
+              <a:lnSpc>
+                <a:spcPts val="2200"/>
+              </a:lnSpc>
+              <a:spcBef>
+                <a:spcPts val="1200"/>
+              </a:spcBef>
+              <a:spcAft>
+                <a:spcPct val="0"/>
+              </a:spcAft>
+              <a:buSzPct val="100000"/>
+              <a:buFont typeface="Arial"/>
+              <a:buChar char="•"/>
+              <a:defRPr sz="2000" b="1">
+                <a:solidFill>
+                  <a:schemeClr val="tx1"/>
+                </a:solidFill>
+                <a:latin typeface="+mn-lt"/>
+                <a:ea typeface="+mn-ea"/>
+                <a:cs typeface="+mn-cs"/>
+              </a:defRPr>
+            </a:lvl1pPr>
+            <a:lvl2pPr marL="539496" indent="-256032" algn="l" rtl="0" eaLnBrk="1" fontAlgn="base" hangingPunct="1">
+              <a:lnSpc>
+                <a:spcPts val="2000"/>
+              </a:lnSpc>
+              <a:spcBef>
+                <a:spcPts val="600"/>
+              </a:spcBef>
+              <a:spcAft>
+                <a:spcPct val="0"/>
+              </a:spcAft>
+              <a:buSzPct val="100000"/>
+              <a:buChar char="–"/>
+              <a:defRPr b="1">
+                <a:solidFill>
+                  <a:schemeClr val="tx1"/>
+                </a:solidFill>
+                <a:latin typeface="+mn-lt"/>
+                <a:ea typeface="ＭＳ Ｐゴシック" pitchFamily="-110" charset="-128"/>
+              </a:defRPr>
+            </a:lvl2pPr>
+            <a:lvl3pPr marL="758952" indent="-182880" algn="l" rtl="0" eaLnBrk="1" fontAlgn="base" hangingPunct="1">
+              <a:lnSpc>
+                <a:spcPts val="1800"/>
+              </a:lnSpc>
+              <a:spcBef>
+                <a:spcPts val="600"/>
+              </a:spcBef>
+              <a:spcAft>
+                <a:spcPct val="0"/>
+              </a:spcAft>
+              <a:buSzPct val="90000"/>
+              <a:buFont typeface="Arial"/>
+              <a:buChar char="•"/>
+              <a:defRPr sz="1600" b="1">
+                <a:solidFill>
+                  <a:schemeClr val="tx1"/>
+                </a:solidFill>
+                <a:latin typeface="+mn-lt"/>
+                <a:ea typeface="ＭＳ Ｐゴシック" pitchFamily="-110" charset="-128"/>
+              </a:defRPr>
+            </a:lvl3pPr>
+            <a:lvl4pPr marL="1033272" indent="0" algn="l" rtl="0" eaLnBrk="1" fontAlgn="base" hangingPunct="1">
+              <a:lnSpc>
+                <a:spcPts val="1600"/>
+              </a:lnSpc>
+              <a:spcBef>
+                <a:spcPts val="600"/>
+              </a:spcBef>
+              <a:spcAft>
+                <a:spcPct val="0"/>
+              </a:spcAft>
+              <a:buSzPct val="100000"/>
+              <a:buFontTx/>
+              <a:buNone/>
+              <a:defRPr sz="1400" b="1">
+                <a:solidFill>
+                  <a:schemeClr val="tx1"/>
+                </a:solidFill>
+                <a:latin typeface="+mn-lt"/>
+                <a:ea typeface="ＭＳ Ｐゴシック" pitchFamily="-110" charset="-128"/>
+              </a:defRPr>
+            </a:lvl4pPr>
+            <a:lvl5pPr marL="1261872" indent="0" algn="l" rtl="0" eaLnBrk="1" fontAlgn="base" hangingPunct="1">
+              <a:lnSpc>
+                <a:spcPts val="1400"/>
+              </a:lnSpc>
+              <a:spcBef>
+                <a:spcPts val="600"/>
+              </a:spcBef>
+              <a:spcAft>
+                <a:spcPct val="0"/>
+              </a:spcAft>
+              <a:buSzPct val="85000"/>
+              <a:buFontTx/>
+              <a:buNone/>
+              <a:defRPr sz="1200" b="1">
+                <a:solidFill>
+                  <a:schemeClr val="tx1"/>
+                </a:solidFill>
+                <a:latin typeface="+mn-lt"/>
+                <a:ea typeface="ＭＳ Ｐゴシック" pitchFamily="-110" charset="-128"/>
+              </a:defRPr>
+            </a:lvl5pPr>
+            <a:lvl6pPr marL="2286000" algn="l" rtl="0" eaLnBrk="1" fontAlgn="base" hangingPunct="1">
+              <a:lnSpc>
+                <a:spcPct val="90000"/>
+              </a:lnSpc>
+              <a:spcBef>
+                <a:spcPct val="25000"/>
+              </a:spcBef>
+              <a:spcAft>
+                <a:spcPct val="0"/>
+              </a:spcAft>
+              <a:buSzPct val="100000"/>
+              <a:buChar char=" "/>
+              <a:defRPr sz="1400" b="1">
+                <a:solidFill>
+                  <a:schemeClr val="tx1"/>
+                </a:solidFill>
+                <a:latin typeface="+mn-lt"/>
+                <a:ea typeface="ＭＳ Ｐゴシック" pitchFamily="-110" charset="-128"/>
+              </a:defRPr>
+            </a:lvl6pPr>
+            <a:lvl7pPr marL="2743200" algn="l" rtl="0" eaLnBrk="1" fontAlgn="base" hangingPunct="1">
+              <a:lnSpc>
+                <a:spcPct val="90000"/>
+              </a:lnSpc>
+              <a:spcBef>
+                <a:spcPct val="25000"/>
+              </a:spcBef>
+              <a:spcAft>
+                <a:spcPct val="0"/>
+              </a:spcAft>
+              <a:buSzPct val="100000"/>
+              <a:buChar char=" "/>
+              <a:defRPr sz="1400" b="1">
+                <a:solidFill>
+                  <a:schemeClr val="tx1"/>
+                </a:solidFill>
+                <a:latin typeface="+mn-lt"/>
+                <a:ea typeface="ＭＳ Ｐゴシック" pitchFamily="-110" charset="-128"/>
+              </a:defRPr>
+            </a:lvl7pPr>
+            <a:lvl8pPr marL="3200400" algn="l" rtl="0" eaLnBrk="1" fontAlgn="base" hangingPunct="1">
+              <a:lnSpc>
+                <a:spcPct val="90000"/>
+              </a:lnSpc>
+              <a:spcBef>
+                <a:spcPct val="25000"/>
+              </a:spcBef>
+              <a:spcAft>
+                <a:spcPct val="0"/>
+              </a:spcAft>
+              <a:buSzPct val="100000"/>
+              <a:buChar char=" "/>
+              <a:defRPr sz="1400" b="1">
+                <a:solidFill>
+                  <a:schemeClr val="tx1"/>
+                </a:solidFill>
+                <a:latin typeface="+mn-lt"/>
+                <a:ea typeface="ＭＳ Ｐゴシック" pitchFamily="-110" charset="-128"/>
+              </a:defRPr>
+            </a:lvl8pPr>
+            <a:lvl9pPr marL="3657600" algn="l" rtl="0" eaLnBrk="1" fontAlgn="base" hangingPunct="1">
+              <a:lnSpc>
+                <a:spcPct val="90000"/>
+              </a:lnSpc>
+              <a:spcBef>
+                <a:spcPct val="25000"/>
+              </a:spcBef>
+              <a:spcAft>
+                <a:spcPct val="0"/>
+              </a:spcAft>
+              <a:buSzPct val="100000"/>
+              <a:buChar char=" "/>
+              <a:defRPr sz="1400" b="1">
+                <a:solidFill>
+                  <a:schemeClr val="tx1"/>
+                </a:solidFill>
+                <a:latin typeface="+mn-lt"/>
+                <a:ea typeface="ＭＳ Ｐゴシック" pitchFamily="-110" charset="-128"/>
+              </a:defRPr>
+            </a:lvl9pPr>
+          </a:lstStyle>
+          <a:p>
+            <a:pPr lvl="1"/>
+            <a:r>
+              <a:rPr lang="en-US" sz="1800" dirty="0" smtClean="0"/>
+              <a:t>In fact, CPU instructions (right) look very similar to Turing Machine instructions</a:t>
+            </a:r>
+          </a:p>
+        </p:txBody>
+      </p:sp>
+    </p:spTree>
+    <p:extLst>
+      <p:ext uri="{BB962C8B-B14F-4D97-AF65-F5344CB8AC3E}">
+        <p14:creationId xmlns:p14="http://schemas.microsoft.com/office/powerpoint/2010/main" val="3690342026"/>
+      </p:ext>
+    </p:extLst>
+  </p:cSld>
+  <p:clrMapOvr>
+    <a:masterClrMapping/>
+  </p:clrMapOvr>
+</p:sld>
+</file>
+
+<file path=ppt/slides/slide12.xml><?xml version="1.0" encoding="utf-8"?>
+<p:sld xmlns:a="http://schemas.openxmlformats.org/drawingml/2006/main" xmlns:r="http://schemas.openxmlformats.org/officeDocument/2006/relationships" xmlns:p="http://schemas.openxmlformats.org/presentationml/2006/main">
+  <p:cSld>
+    <p:spTree>
+      <p:nvGrpSpPr>
+        <p:cNvPr id="1" name=""/>
+        <p:cNvGrpSpPr/>
+        <p:nvPr/>
+      </p:nvGrpSpPr>
+      <p:grpSpPr>
+        <a:xfrm>
+          <a:off x="0" y="0"/>
+          <a:ext cx="0" cy="0"/>
+          <a:chOff x="0" y="0"/>
+          <a:chExt cx="0" cy="0"/>
+        </a:xfrm>
+      </p:grpSpPr>
+      <p:sp>
+        <p:nvSpPr>
+          <p:cNvPr id="2" name="Title 1"/>
+          <p:cNvSpPr>
+            <a:spLocks noGrp="1"/>
+          </p:cNvSpPr>
+          <p:nvPr>
+            <p:ph type="title"/>
+          </p:nvPr>
+        </p:nvSpPr>
+        <p:spPr/>
+        <p:txBody>
+          <a:bodyPr/>
+          <a:lstStyle/>
+          <a:p>
+            <a:r>
+              <a:rPr lang="en-US" dirty="0" smtClean="0"/>
+              <a:t>Our semester goal</a:t>
+            </a:r>
+            <a:endParaRPr lang="en-US" dirty="0"/>
+          </a:p>
+        </p:txBody>
+      </p:sp>
+      <p:sp>
+        <p:nvSpPr>
+          <p:cNvPr id="3" name="Content Placeholder 2"/>
+          <p:cNvSpPr>
+            <a:spLocks noGrp="1"/>
+          </p:cNvSpPr>
+          <p:nvPr>
+            <p:ph idx="1"/>
+          </p:nvPr>
+        </p:nvSpPr>
+        <p:spPr>
+          <a:xfrm>
+            <a:off x="381000" y="3096768"/>
+            <a:ext cx="8193024" cy="4828032"/>
+          </a:xfrm>
+        </p:spPr>
+        <p:txBody>
+          <a:bodyPr/>
+          <a:lstStyle/>
+          <a:p>
+            <a:pPr marL="0" indent="0" algn="ctr">
+              <a:buNone/>
+            </a:pPr>
+            <a:r>
+              <a:rPr lang="en-US" dirty="0" err="1" smtClean="0"/>
+              <a:t>www.aturingmachine.com</a:t>
+            </a:r>
+            <a:endParaRPr lang="en-US" dirty="0"/>
+          </a:p>
+        </p:txBody>
+      </p:sp>
+    </p:spTree>
+    <p:extLst>
+      <p:ext uri="{BB962C8B-B14F-4D97-AF65-F5344CB8AC3E}">
+        <p14:creationId xmlns:p14="http://schemas.microsoft.com/office/powerpoint/2010/main" val="1239891180"/>
+      </p:ext>
+    </p:extLst>
+  </p:cSld>
+  <p:clrMapOvr>
+    <a:masterClrMapping/>
+  </p:clrMapOvr>
+</p:sld>
+</file>
+
 <file path=ppt/slides/slide2.xml><?xml version="1.0" encoding="utf-8"?>
 <p:sld xmlns:a="http://schemas.openxmlformats.org/drawingml/2006/main" xmlns:r="http://schemas.openxmlformats.org/officeDocument/2006/relationships" xmlns:p="http://schemas.openxmlformats.org/presentationml/2006/main">
   <p:cSld>
@@ -4297,7 +4890,7 @@
         </p:nvSpPr>
         <p:spPr>
           <a:xfrm>
-            <a:off x="475488" y="1289304"/>
+            <a:off x="228600" y="1289304"/>
             <a:ext cx="4782312" cy="4828032"/>
           </a:xfrm>
         </p:spPr>
@@ -4307,17 +4900,8 @@
           <a:p>
             <a:r>
               <a:rPr lang="en-US" dirty="0"/>
-              <a:t>Jack </a:t>
-            </a:r>
-            <a:r>
-              <a:rPr lang="en-US" dirty="0" err="1"/>
-              <a:t>Lepird</a:t>
-            </a:r>
-            <a:r>
-              <a:rPr lang="en-US" dirty="0"/>
-              <a:t> </a:t>
-            </a:r>
-            <a:endParaRPr lang="en-US" dirty="0"/>
+              <a:t>Jack Lepird </a:t>
+            </a:r>
           </a:p>
           <a:p>
             <a:pPr lvl="1"/>
@@ -4342,6 +4926,70 @@
             <a:pPr lvl="1"/>
             <a:r>
               <a:rPr lang="en-US" dirty="0" smtClean="0"/>
+              <a:t>Education:</a:t>
+            </a:r>
+          </a:p>
+          <a:p>
+            <a:pPr lvl="2"/>
+            <a:r>
+              <a:rPr lang="en-US" dirty="0" smtClean="0"/>
+              <a:t>Bachelor's</a:t>
+            </a:r>
+            <a:r>
+              <a:rPr lang="en-US" b="0" dirty="0" smtClean="0"/>
+              <a:t> </a:t>
+            </a:r>
+            <a:r>
+              <a:rPr lang="en-US" dirty="0" smtClean="0"/>
+              <a:t>Degree</a:t>
+            </a:r>
+            <a:r>
+              <a:rPr lang="en-US" b="0" dirty="0" smtClean="0"/>
+              <a:t>:</a:t>
+            </a:r>
+          </a:p>
+          <a:p>
+            <a:pPr lvl="3"/>
+            <a:r>
+              <a:rPr lang="en-US" b="0" dirty="0" smtClean="0"/>
+              <a:t>Mathematics / Operations Research / German, </a:t>
+            </a:r>
+            <a:r>
+              <a:rPr lang="en-US" b="0" i="1" dirty="0" smtClean="0"/>
+              <a:t>United States Air Force Academy</a:t>
+            </a:r>
+          </a:p>
+          <a:p>
+            <a:pPr lvl="2"/>
+            <a:r>
+              <a:rPr lang="en-US" dirty="0" smtClean="0"/>
+              <a:t>Master’s Degree</a:t>
+            </a:r>
+            <a:r>
+              <a:rPr lang="en-US" b="0" dirty="0" smtClean="0"/>
+              <a:t> (underway):</a:t>
+            </a:r>
+          </a:p>
+          <a:p>
+            <a:pPr lvl="3"/>
+            <a:r>
+              <a:rPr lang="en-US" b="0" dirty="0" smtClean="0"/>
+              <a:t>Operations Research, </a:t>
+            </a:r>
+            <a:r>
+              <a:rPr lang="en-US" b="0" i="1" dirty="0" smtClean="0"/>
+              <a:t>Massachusetts Institute of Technology</a:t>
+            </a:r>
+            <a:r>
+              <a:rPr lang="en-US" b="0" i="1" dirty="0"/>
+              <a:t>	</a:t>
+            </a:r>
+            <a:endParaRPr lang="en-US" b="0" dirty="0" smtClean="0"/>
+          </a:p>
+          <a:p>
+            <a:pPr lvl="1"/>
+            <a:r>
+              <a:rPr lang="en-US" dirty="0" smtClean="0"/>
               <a:t>Research Interest:</a:t>
             </a:r>
           </a:p>
@@ -4351,7 +4999,6 @@
               <a:rPr lang="en-US" b="0" dirty="0"/>
               <a:t>Next-Generation Aircraft Collision Avoidance Systems </a:t>
             </a:r>
-            <a:endParaRPr lang="en-US" b="0" dirty="0"/>
           </a:p>
           <a:p>
             <a:pPr lvl="1"/>
@@ -4366,7 +5013,6 @@
               <a:rPr lang="en-US" dirty="0"/>
               <a:t>Travel, SCUBA, Golf </a:t>
             </a:r>
-            <a:endParaRPr lang="en-US" dirty="0"/>
           </a:p>
           <a:p>
             <a:pPr lvl="2"/>
@@ -4551,7 +5197,7 @@
           <a:p>
             <a:r>
               <a:rPr lang="en-US" dirty="0" smtClean="0"/>
-              <a:t>Who are you?</a:t>
+              <a:t>Who are we?</a:t>
             </a:r>
             <a:endParaRPr lang="en-US" dirty="0"/>
           </a:p>
@@ -4574,53 +5220,8 @@
           <a:p>
             <a:r>
               <a:rPr lang="en-US" dirty="0" smtClean="0"/>
-              <a:t>What are your favorite subjects?</a:t>
-            </a:r>
-          </a:p>
-          <a:p>
-            <a:pPr marL="0" indent="0">
-              <a:buNone/>
-            </a:pPr>
-            <a:endParaRPr lang="en-US" dirty="0" smtClean="0"/>
-          </a:p>
-          <a:p>
-            <a:endParaRPr lang="en-US" dirty="0"/>
-          </a:p>
-          <a:p>
-            <a:r>
-              <a:rPr lang="en-US" dirty="0" smtClean="0"/>
-              <a:t>What is your favorite food/color/animal?</a:t>
-            </a:r>
-          </a:p>
-          <a:p>
-            <a:endParaRPr lang="en-US" dirty="0"/>
-          </a:p>
-          <a:p>
-            <a:endParaRPr lang="en-US" dirty="0" smtClean="0"/>
-          </a:p>
-          <a:p>
-            <a:r>
-              <a:rPr lang="en-US" dirty="0" smtClean="0"/>
-              <a:t>What do you do for fun?</a:t>
-            </a:r>
-            <a:endParaRPr lang="en-US" dirty="0"/>
-          </a:p>
-          <a:p>
-            <a:endParaRPr lang="en-US" dirty="0" smtClean="0"/>
-          </a:p>
-          <a:p>
-            <a:pPr marL="0" indent="0">
-              <a:buNone/>
-            </a:pPr>
-            <a:endParaRPr lang="en-US" dirty="0"/>
-          </a:p>
-          <a:p>
-            <a:r>
-              <a:rPr lang="en-US" dirty="0"/>
-              <a:t>What do you hope to get out of this internship?</a:t>
-            </a:r>
-          </a:p>
-          <a:p>
+              <a:t>Stuart Baker</a:t>
+            </a:r>
             <a:endParaRPr lang="en-US" dirty="0"/>
           </a:p>
         </p:txBody>
@@ -4628,7 +5229,7 @@
     </p:spTree>
     <p:extLst>
       <p:ext uri="{BB962C8B-B14F-4D97-AF65-F5344CB8AC3E}">
-        <p14:creationId xmlns:p14="http://schemas.microsoft.com/office/powerpoint/2010/main" val="3070146744"/>
+        <p14:creationId xmlns:p14="http://schemas.microsoft.com/office/powerpoint/2010/main" val="3616038138"/>
       </p:ext>
     </p:extLst>
   </p:cSld>
@@ -4672,7 +5273,7 @@
           <a:p>
             <a:r>
               <a:rPr lang="en-US" dirty="0" smtClean="0"/>
-              <a:t>Why are we here?</a:t>
+              <a:t>Who are you?</a:t>
             </a:r>
             <a:endParaRPr lang="en-US" dirty="0"/>
           </a:p>
@@ -4693,39 +5294,63 @@
           <a:bodyPr/>
           <a:lstStyle/>
           <a:p>
-            <a:endParaRPr lang="en-US" sz="3600" dirty="0" smtClean="0"/>
-          </a:p>
-          <a:p>
-            <a:endParaRPr lang="en-US" sz="3600" dirty="0"/>
-          </a:p>
-          <a:p>
-            <a:endParaRPr lang="en-US" sz="3600" dirty="0" smtClean="0"/>
-          </a:p>
-          <a:p>
-            <a:endParaRPr lang="en-US" sz="3600" dirty="0"/>
-          </a:p>
-          <a:p>
-            <a:endParaRPr lang="en-US" sz="3600" dirty="0" smtClean="0"/>
-          </a:p>
-          <a:p>
-            <a:pPr marL="0" indent="0" algn="ctr">
+            <a:r>
+              <a:rPr lang="en-US" dirty="0" smtClean="0"/>
+              <a:t>What are your favorite subjects?</a:t>
+            </a:r>
+          </a:p>
+          <a:p>
+            <a:pPr marL="0" indent="0">
               <a:buNone/>
-              <a:tabLst>
-                <a:tab pos="57150" algn="l"/>
-              </a:tabLst>
             </a:pPr>
-            <a:r>
-              <a:rPr lang="en-US" sz="3600" dirty="0" smtClean="0"/>
-              <a:t>To Build a Turing Machine!</a:t>
-            </a:r>
-            <a:endParaRPr lang="en-US" sz="3600" dirty="0"/>
+            <a:endParaRPr lang="en-US" dirty="0" smtClean="0"/>
+          </a:p>
+          <a:p>
+            <a:endParaRPr lang="en-US" dirty="0"/>
+          </a:p>
+          <a:p>
+            <a:r>
+              <a:rPr lang="en-US" dirty="0" smtClean="0"/>
+              <a:t>What is your favorite food/color/animal?</a:t>
+            </a:r>
+          </a:p>
+          <a:p>
+            <a:endParaRPr lang="en-US" dirty="0"/>
+          </a:p>
+          <a:p>
+            <a:endParaRPr lang="en-US" dirty="0" smtClean="0"/>
+          </a:p>
+          <a:p>
+            <a:r>
+              <a:rPr lang="en-US" dirty="0" smtClean="0"/>
+              <a:t>What do you do for fun?</a:t>
+            </a:r>
+            <a:endParaRPr lang="en-US" dirty="0"/>
+          </a:p>
+          <a:p>
+            <a:endParaRPr lang="en-US" dirty="0" smtClean="0"/>
+          </a:p>
+          <a:p>
+            <a:pPr marL="0" indent="0">
+              <a:buNone/>
+            </a:pPr>
+            <a:endParaRPr lang="en-US" dirty="0"/>
+          </a:p>
+          <a:p>
+            <a:r>
+              <a:rPr lang="en-US" dirty="0"/>
+              <a:t>What do you hope to get out of this internship?</a:t>
+            </a:r>
+          </a:p>
+          <a:p>
+            <a:endParaRPr lang="en-US" dirty="0"/>
           </a:p>
         </p:txBody>
       </p:sp>
     </p:spTree>
     <p:extLst>
       <p:ext uri="{BB962C8B-B14F-4D97-AF65-F5344CB8AC3E}">
-        <p14:creationId xmlns:p14="http://schemas.microsoft.com/office/powerpoint/2010/main" val="3082958967"/>
+        <p14:creationId xmlns:p14="http://schemas.microsoft.com/office/powerpoint/2010/main" val="3070146744"/>
       </p:ext>
     </p:extLst>
   </p:cSld>
@@ -4790,51 +5415,39 @@
           <a:bodyPr/>
           <a:lstStyle/>
           <a:p>
+            <a:endParaRPr lang="en-US" sz="3600" dirty="0" smtClean="0"/>
+          </a:p>
+          <a:p>
+            <a:endParaRPr lang="en-US" sz="3600" dirty="0"/>
+          </a:p>
+          <a:p>
+            <a:endParaRPr lang="en-US" sz="3600" dirty="0" smtClean="0"/>
+          </a:p>
+          <a:p>
+            <a:endParaRPr lang="en-US" sz="3600" dirty="0"/>
+          </a:p>
+          <a:p>
+            <a:endParaRPr lang="en-US" sz="3600" dirty="0" smtClean="0"/>
+          </a:p>
+          <a:p>
             <a:pPr marL="0" indent="0" algn="ctr">
               <a:buNone/>
+              <a:tabLst>
+                <a:tab pos="57150" algn="l"/>
+              </a:tabLst>
             </a:pPr>
-            <a:endParaRPr lang="en-US" sz="2800" dirty="0" smtClean="0"/>
-          </a:p>
-          <a:p>
-            <a:pPr marL="0" indent="0" algn="ctr">
-              <a:buNone/>
-            </a:pPr>
-            <a:endParaRPr lang="en-US" sz="2800" dirty="0"/>
-          </a:p>
-          <a:p>
-            <a:pPr marL="0" indent="0" algn="ctr">
-              <a:buNone/>
-            </a:pPr>
-            <a:endParaRPr lang="en-US" sz="2800" dirty="0" smtClean="0"/>
-          </a:p>
-          <a:p>
-            <a:pPr marL="0" indent="0" algn="ctr">
-              <a:buNone/>
-            </a:pPr>
-            <a:endParaRPr lang="en-US" sz="2800" dirty="0"/>
-          </a:p>
-          <a:p>
-            <a:pPr marL="0" indent="0" algn="ctr">
-              <a:buNone/>
-            </a:pPr>
-            <a:endParaRPr lang="en-US" sz="2800" dirty="0" smtClean="0"/>
-          </a:p>
-          <a:p>
-            <a:pPr marL="0" indent="0" algn="ctr">
-              <a:buNone/>
-            </a:pPr>
-            <a:r>
-              <a:rPr lang="en-US" sz="2800" dirty="0" smtClean="0"/>
-              <a:t>A WHAT?! Machine?</a:t>
-            </a:r>
-            <a:endParaRPr lang="en-US" sz="2800" dirty="0"/>
+            <a:r>
+              <a:rPr lang="en-US" sz="3600" dirty="0" smtClean="0"/>
+              <a:t>To Build a Turing Machine!</a:t>
+            </a:r>
+            <a:endParaRPr lang="en-US" sz="3600" dirty="0"/>
           </a:p>
         </p:txBody>
       </p:sp>
     </p:spTree>
     <p:extLst>
       <p:ext uri="{BB962C8B-B14F-4D97-AF65-F5344CB8AC3E}">
-        <p14:creationId xmlns:p14="http://schemas.microsoft.com/office/powerpoint/2010/main" val="2060775430"/>
+        <p14:creationId xmlns:p14="http://schemas.microsoft.com/office/powerpoint/2010/main" val="3082958967"/>
       </p:ext>
     </p:extLst>
   </p:cSld>
@@ -4878,6 +5491,115 @@
           <a:p>
             <a:r>
               <a:rPr lang="en-US" dirty="0" smtClean="0"/>
+              <a:t>Why are we here?</a:t>
+            </a:r>
+            <a:endParaRPr lang="en-US" dirty="0"/>
+          </a:p>
+        </p:txBody>
+      </p:sp>
+      <p:sp>
+        <p:nvSpPr>
+          <p:cNvPr id="3" name="Content Placeholder 2"/>
+          <p:cNvSpPr>
+            <a:spLocks noGrp="1"/>
+          </p:cNvSpPr>
+          <p:nvPr>
+            <p:ph idx="1"/>
+          </p:nvPr>
+        </p:nvSpPr>
+        <p:spPr/>
+        <p:txBody>
+          <a:bodyPr/>
+          <a:lstStyle/>
+          <a:p>
+            <a:pPr marL="0" indent="0" algn="ctr">
+              <a:buNone/>
+            </a:pPr>
+            <a:endParaRPr lang="en-US" sz="2800" dirty="0" smtClean="0"/>
+          </a:p>
+          <a:p>
+            <a:pPr marL="0" indent="0" algn="ctr">
+              <a:buNone/>
+            </a:pPr>
+            <a:endParaRPr lang="en-US" sz="2800" dirty="0"/>
+          </a:p>
+          <a:p>
+            <a:pPr marL="0" indent="0" algn="ctr">
+              <a:buNone/>
+            </a:pPr>
+            <a:endParaRPr lang="en-US" sz="2800" dirty="0" smtClean="0"/>
+          </a:p>
+          <a:p>
+            <a:pPr marL="0" indent="0" algn="ctr">
+              <a:buNone/>
+            </a:pPr>
+            <a:endParaRPr lang="en-US" sz="2800" dirty="0"/>
+          </a:p>
+          <a:p>
+            <a:pPr marL="0" indent="0" algn="ctr">
+              <a:buNone/>
+            </a:pPr>
+            <a:endParaRPr lang="en-US" sz="2800" dirty="0" smtClean="0"/>
+          </a:p>
+          <a:p>
+            <a:pPr marL="0" indent="0" algn="ctr">
+              <a:buNone/>
+            </a:pPr>
+            <a:r>
+              <a:rPr lang="en-US" sz="2800" dirty="0" smtClean="0"/>
+              <a:t>A WHAT?! Machine?</a:t>
+            </a:r>
+            <a:endParaRPr lang="en-US" sz="2800" dirty="0"/>
+          </a:p>
+        </p:txBody>
+      </p:sp>
+    </p:spTree>
+    <p:extLst>
+      <p:ext uri="{BB962C8B-B14F-4D97-AF65-F5344CB8AC3E}">
+        <p14:creationId xmlns:p14="http://schemas.microsoft.com/office/powerpoint/2010/main" val="2060775430"/>
+      </p:ext>
+    </p:extLst>
+  </p:cSld>
+  <p:clrMapOvr>
+    <a:masterClrMapping/>
+  </p:clrMapOvr>
+</p:sld>
+</file>
+
+<file path=ppt/slides/slide9.xml><?xml version="1.0" encoding="utf-8"?>
+<p:sld xmlns:a="http://schemas.openxmlformats.org/drawingml/2006/main" xmlns:r="http://schemas.openxmlformats.org/officeDocument/2006/relationships" xmlns:p="http://schemas.openxmlformats.org/presentationml/2006/main">
+  <p:cSld>
+    <p:spTree>
+      <p:nvGrpSpPr>
+        <p:cNvPr id="1" name=""/>
+        <p:cNvGrpSpPr/>
+        <p:nvPr/>
+      </p:nvGrpSpPr>
+      <p:grpSpPr>
+        <a:xfrm>
+          <a:off x="0" y="0"/>
+          <a:ext cx="0" cy="0"/>
+          <a:chOff x="0" y="0"/>
+          <a:chExt cx="0" cy="0"/>
+        </a:xfrm>
+      </p:grpSpPr>
+      <p:sp>
+        <p:nvSpPr>
+          <p:cNvPr id="2" name="Title 1"/>
+          <p:cNvSpPr>
+            <a:spLocks noGrp="1"/>
+          </p:cNvSpPr>
+          <p:nvPr>
+            <p:ph type="title"/>
+          </p:nvPr>
+        </p:nvSpPr>
+        <p:spPr/>
+        <p:txBody>
+          <a:bodyPr/>
+          <a:lstStyle/>
+          <a:p>
+            <a:r>
+              <a:rPr lang="en-US" dirty="0" smtClean="0"/>
               <a:t>Alan Turing</a:t>
             </a:r>
             <a:endParaRPr lang="en-US" dirty="0"/>
@@ -4906,7 +5628,73 @@
           <a:p>
             <a:r>
               <a:rPr lang="en-US" dirty="0" smtClean="0"/>
-              <a:t>One of the fathers of Computer Science</a:t>
+              <a:t>One of the fathers of Computer </a:t>
+            </a:r>
+            <a:r>
+              <a:rPr lang="en-US" dirty="0" smtClean="0"/>
+              <a:t>Science</a:t>
+            </a:r>
+          </a:p>
+          <a:p>
+            <a:r>
+              <a:rPr lang="en-US" dirty="0" smtClean="0"/>
+              <a:t>Cracked German “Enigma” code during WWII</a:t>
+            </a:r>
+          </a:p>
+          <a:p>
+            <a:pPr lvl="1"/>
+            <a:r>
+              <a:rPr lang="en-US" dirty="0" smtClean="0"/>
+              <a:t>Shorted war by “two to four years”</a:t>
+            </a:r>
+          </a:p>
+          <a:p>
+            <a:r>
+              <a:rPr lang="en-US" dirty="0" smtClean="0"/>
+              <a:t>Solved “</a:t>
+            </a:r>
+            <a:r>
+              <a:rPr lang="en-US" dirty="0" err="1" smtClean="0"/>
+              <a:t>Entscheidungsproblem</a:t>
+            </a:r>
+            <a:r>
+              <a:rPr lang="en-US" dirty="0" smtClean="0"/>
+              <a:t>”</a:t>
+            </a:r>
+          </a:p>
+          <a:p>
+            <a:pPr lvl="1"/>
+            <a:r>
+              <a:rPr lang="en-US" dirty="0" smtClean="0"/>
+              <a:t>One of the “problems of the [20</a:t>
+            </a:r>
+            <a:r>
+              <a:rPr lang="en-US" baseline="30000" dirty="0" smtClean="0"/>
+              <a:t>th</a:t>
+            </a:r>
+            <a:r>
+              <a:rPr lang="en-US" dirty="0" smtClean="0"/>
+              <a:t>] century”</a:t>
+            </a:r>
+            <a:endParaRPr lang="en-US" dirty="0" smtClean="0"/>
+          </a:p>
+          <a:p>
+            <a:r>
+              <a:rPr lang="en-US" dirty="0" smtClean="0"/>
+              <a:t>Could run marathon in under 2hrs 30 min </a:t>
+            </a:r>
+          </a:p>
+          <a:p>
+            <a:pPr lvl="1"/>
+            <a:r>
+              <a:rPr lang="en-US" dirty="0" smtClean="0"/>
+              <a:t>5:45 minute miles</a:t>
+            </a:r>
+          </a:p>
+          <a:p>
+            <a:r>
+              <a:rPr lang="en-US" dirty="0" smtClean="0"/>
+              <a:t>Basically, a huge stud</a:t>
             </a:r>
             <a:endParaRPr lang="en-US" dirty="0"/>
           </a:p>
